--- a/docs/diagrams/ModelStorageComponentUploadSequenceDiagram.pptx
+++ b/docs/diagrams/ModelStorageComponentUploadSequenceDiagram.pptx
@@ -3457,7 +3457,7 @@
         <p:spPr>
           <a:xfrm>
             <a:off x="4495800" y="1700740"/>
-            <a:ext cx="2081261" cy="3179914"/>
+            <a:ext cx="6553200" cy="2899078"/>
           </a:xfrm>
           <a:prstGeom prst="roundRect">
             <a:avLst>
@@ -3522,7 +3522,7 @@
         <p:spPr>
           <a:xfrm>
             <a:off x="956920" y="1676400"/>
-            <a:ext cx="3164627" cy="3204254"/>
+            <a:ext cx="3164627" cy="2923418"/>
           </a:xfrm>
           <a:prstGeom prst="roundRect">
             <a:avLst>
@@ -3653,7 +3653,7 @@
         <p:spPr>
           <a:xfrm>
             <a:off x="2781378" y="2237314"/>
-            <a:ext cx="0" cy="2857494"/>
+            <a:ext cx="0" cy="2564365"/>
           </a:xfrm>
           <a:prstGeom prst="line">
             <a:avLst/>
@@ -3686,7 +3686,7 @@
         <p:spPr>
           <a:xfrm>
             <a:off x="2706009" y="2423242"/>
-            <a:ext cx="179311" cy="2231760"/>
+            <a:ext cx="186615" cy="2047174"/>
           </a:xfrm>
           <a:prstGeom prst="rect">
             <a:avLst/>
@@ -3772,8 +3772,8 @@
         </p:nvCxnSpPr>
         <p:spPr>
           <a:xfrm flipV="1">
-            <a:off x="2876283" y="3156014"/>
-            <a:ext cx="2436823" cy="3606"/>
+            <a:off x="2876283" y="3150157"/>
+            <a:ext cx="5190774" cy="9463"/>
           </a:xfrm>
           <a:prstGeom prst="straightConnector1">
             <a:avLst/>
@@ -3808,7 +3808,7 @@
         </p:nvCxnSpPr>
         <p:spPr>
           <a:xfrm>
-            <a:off x="526204" y="4655002"/>
+            <a:off x="552405" y="4450371"/>
             <a:ext cx="2179805" cy="0"/>
           </a:xfrm>
           <a:prstGeom prst="straightConnector1">
@@ -3843,7 +3843,7 @@
         </p:nvSpPr>
         <p:spPr>
           <a:xfrm>
-            <a:off x="2946945" y="2945624"/>
+            <a:off x="5748876" y="2940251"/>
             <a:ext cx="2217719" cy="153888"/>
           </a:xfrm>
           <a:prstGeom prst="rect">
@@ -3969,7 +3969,7 @@
         </p:nvSpPr>
         <p:spPr>
           <a:xfrm>
-            <a:off x="4767165" y="2435422"/>
+            <a:off x="7502923" y="2411217"/>
             <a:ext cx="1169835" cy="346760"/>
           </a:xfrm>
           <a:prstGeom prst="rect">
@@ -4060,8 +4060,8 @@
         </p:nvSpPr>
         <p:spPr>
           <a:xfrm rot="16200000">
-            <a:off x="4514628" y="3554516"/>
-            <a:ext cx="1677473" cy="121247"/>
+            <a:off x="7328246" y="3492654"/>
+            <a:ext cx="1545192" cy="105680"/>
           </a:xfrm>
           <a:prstGeom prst="rect">
             <a:avLst/>
@@ -4118,14 +4118,13 @@
           </p:cNvPr>
           <p:cNvCxnSpPr>
             <a:cxnSpLocks/>
-            <a:stCxn id="28" idx="3"/>
           </p:cNvCxnSpPr>
           <p:nvPr/>
         </p:nvCxnSpPr>
         <p:spPr>
           <a:xfrm>
-            <a:off x="5353365" y="2776403"/>
-            <a:ext cx="0" cy="1894471"/>
+            <a:off x="8111734" y="2771137"/>
+            <a:ext cx="0" cy="1763666"/>
           </a:xfrm>
           <a:prstGeom prst="line">
             <a:avLst/>
@@ -4168,7 +4167,7 @@
         </p:nvSpPr>
         <p:spPr>
           <a:xfrm>
-            <a:off x="5222880" y="4540069"/>
+            <a:off x="7979422" y="4409782"/>
             <a:ext cx="258404" cy="261610"/>
           </a:xfrm>
           <a:prstGeom prst="rect">
@@ -4207,7 +4206,7 @@
         </p:nvSpPr>
         <p:spPr>
           <a:xfrm>
-            <a:off x="2534884" y="2366472"/>
+            <a:off x="5098078" y="2357934"/>
             <a:ext cx="2217719" cy="153888"/>
           </a:xfrm>
           <a:prstGeom prst="rect">
@@ -4284,8 +4283,8 @@
         </p:nvCxnSpPr>
         <p:spPr>
           <a:xfrm>
-            <a:off x="2885321" y="2605298"/>
-            <a:ext cx="1881844" cy="3504"/>
+            <a:off x="2892629" y="2581093"/>
+            <a:ext cx="4610294" cy="3504"/>
           </a:xfrm>
           <a:prstGeom prst="straightConnector1">
             <a:avLst/>
@@ -4321,13 +4320,14 @@
           </p:cNvPr>
           <p:cNvCxnSpPr>
             <a:cxnSpLocks/>
+            <a:stCxn id="28" idx="1"/>
           </p:cNvCxnSpPr>
           <p:nvPr/>
         </p:nvCxnSpPr>
         <p:spPr>
-          <a:xfrm rot="5400000" flipH="1">
-            <a:off x="4116443" y="3079269"/>
-            <a:ext cx="39192" cy="2483762"/>
+          <a:xfrm rot="5400000">
+            <a:off x="5492627" y="1716225"/>
+            <a:ext cx="6350" cy="5210080"/>
           </a:xfrm>
           <a:prstGeom prst="bentConnector2">
             <a:avLst/>
@@ -4376,8 +4376,8 @@
         </p:nvCxnSpPr>
         <p:spPr>
           <a:xfrm rot="16200000" flipH="1" flipV="1">
-            <a:off x="4065472" y="1597624"/>
-            <a:ext cx="109114" cy="2466672"/>
+            <a:off x="5469819" y="195711"/>
+            <a:ext cx="53836" cy="5208210"/>
           </a:xfrm>
           <a:prstGeom prst="bentConnector2">
             <a:avLst/>
@@ -4424,12 +4424,14 @@
           <p:nvPr/>
         </p:nvCxnSpPr>
         <p:spPr>
-          <a:xfrm rot="5400000" flipH="1">
-            <a:off x="4073726" y="2067917"/>
-            <a:ext cx="39192" cy="2483762"/>
+          <a:xfrm rot="10800000" flipV="1">
+            <a:off x="2851441" y="3282556"/>
+            <a:ext cx="5236400" cy="7646"/>
           </a:xfrm>
-          <a:prstGeom prst="bentConnector2">
-            <a:avLst/>
+          <a:prstGeom prst="bentConnector3">
+            <a:avLst>
+              <a:gd name="adj1" fmla="val 50000"/>
+            </a:avLst>
           </a:prstGeom>
           <a:ln w="19050">
             <a:solidFill>
@@ -4647,7 +4649,7 @@
         </p:nvSpPr>
         <p:spPr>
           <a:xfrm>
-            <a:off x="2955066" y="3889370"/>
+            <a:off x="5643155" y="3881921"/>
             <a:ext cx="2217719" cy="153888"/>
           </a:xfrm>
           <a:prstGeom prst="rect">
@@ -4707,8 +4709,8 @@
         </p:nvCxnSpPr>
         <p:spPr>
           <a:xfrm flipV="1">
-            <a:off x="2851858" y="4099042"/>
-            <a:ext cx="2410201" cy="20962"/>
+            <a:off x="2851858" y="4111322"/>
+            <a:ext cx="5175359" cy="8682"/>
           </a:xfrm>
           <a:prstGeom prst="straightConnector1">
             <a:avLst/>
